--- a/Stock Price Forecasting Using Time Series.pptx
+++ b/Stock Price Forecasting Using Time Series.pptx
@@ -149,6 +149,249 @@
 <p188:authorLst xmlns:a="http://schemas.openxmlformats.org/drawingml/2006/main" xmlns:r="http://schemas.openxmlformats.org/officeDocument/2006/relationships" xmlns:p188="http://schemas.microsoft.com/office/powerpoint/2018/8/main">
   <p188:author id="{00000000-0000-0000-0000-000000000000}" name="Author" initials="A" userId="Author" providerId="AD"/>
 </p188:authorLst>
+</file>
+
+<file path=ppt/revisionInfo.xml><?xml version="1.0" encoding="utf-8"?>
+<p1510:revInfo xmlns:a="http://schemas.openxmlformats.org/drawingml/2006/main" xmlns:r="http://schemas.openxmlformats.org/officeDocument/2006/relationships" xmlns:p1510="http://schemas.microsoft.com/office/powerpoint/2015/10/main">
+  <p1510:revLst>
+    <p1510:client id="{15058E74-E94D-4D40-8315-6ED1F44685E9}" v="6" dt="2025-12-20T14:09:48.955"/>
+  </p1510:revLst>
+</p1510:revInfo>
+</file>
+
+<file path=ppt/changesInfos/changesInfo1.xml><?xml version="1.0" encoding="utf-8"?>
+<pc:chgInfo xmlns:a="http://schemas.openxmlformats.org/drawingml/2006/main" xmlns:r="http://schemas.openxmlformats.org/officeDocument/2006/relationships" xmlns:ac="http://schemas.microsoft.com/office/drawing/2013/main/command" xmlns:pc="http://schemas.microsoft.com/office/powerpoint/2013/main/command">
+  <pc:docChgLst>
+    <pc:chgData name="mahesh mangali" userId="19df09ad2f154328" providerId="LiveId" clId="{9991AB3A-D692-45DD-9C00-5CBE8249E62A}"/>
+    <pc:docChg chg="modSld">
+      <pc:chgData name="mahesh mangali" userId="19df09ad2f154328" providerId="LiveId" clId="{9991AB3A-D692-45DD-9C00-5CBE8249E62A}" dt="2025-12-20T14:13:17.486" v="24" actId="207"/>
+      <pc:docMkLst>
+        <pc:docMk/>
+      </pc:docMkLst>
+      <pc:sldChg chg="modSp mod">
+        <pc:chgData name="mahesh mangali" userId="19df09ad2f154328" providerId="LiveId" clId="{9991AB3A-D692-45DD-9C00-5CBE8249E62A}" dt="2025-12-20T14:08:14.871" v="2" actId="1076"/>
+        <pc:sldMkLst>
+          <pc:docMk/>
+          <pc:sldMk cId="2775535166" sldId="275"/>
+        </pc:sldMkLst>
+        <pc:spChg chg="mod">
+          <ac:chgData name="mahesh mangali" userId="19df09ad2f154328" providerId="LiveId" clId="{9991AB3A-D692-45DD-9C00-5CBE8249E62A}" dt="2025-12-20T14:08:14.871" v="2" actId="1076"/>
+          <ac:spMkLst>
+            <pc:docMk/>
+            <pc:sldMk cId="2775535166" sldId="275"/>
+            <ac:spMk id="8" creationId="{D36D0CF6-7418-9349-F7A8-045EA96B2D03}"/>
+          </ac:spMkLst>
+        </pc:spChg>
+      </pc:sldChg>
+      <pc:sldChg chg="modSp mod">
+        <pc:chgData name="mahesh mangali" userId="19df09ad2f154328" providerId="LiveId" clId="{9991AB3A-D692-45DD-9C00-5CBE8249E62A}" dt="2025-12-20T14:08:04.945" v="1" actId="1076"/>
+        <pc:sldMkLst>
+          <pc:docMk/>
+          <pc:sldMk cId="77554804" sldId="276"/>
+        </pc:sldMkLst>
+        <pc:spChg chg="mod">
+          <ac:chgData name="mahesh mangali" userId="19df09ad2f154328" providerId="LiveId" clId="{9991AB3A-D692-45DD-9C00-5CBE8249E62A}" dt="2025-12-20T14:08:04.945" v="1" actId="1076"/>
+          <ac:spMkLst>
+            <pc:docMk/>
+            <pc:sldMk cId="77554804" sldId="276"/>
+            <ac:spMk id="4" creationId="{0A01EC1F-42C9-66C4-9D49-F6AF79D5BE91}"/>
+          </ac:spMkLst>
+        </pc:spChg>
+      </pc:sldChg>
+      <pc:sldChg chg="modSp mod">
+        <pc:chgData name="mahesh mangali" userId="19df09ad2f154328" providerId="LiveId" clId="{9991AB3A-D692-45DD-9C00-5CBE8249E62A}" dt="2025-12-20T14:07:47.995" v="0" actId="1076"/>
+        <pc:sldMkLst>
+          <pc:docMk/>
+          <pc:sldMk cId="1640288181" sldId="278"/>
+        </pc:sldMkLst>
+        <pc:spChg chg="mod">
+          <ac:chgData name="mahesh mangali" userId="19df09ad2f154328" providerId="LiveId" clId="{9991AB3A-D692-45DD-9C00-5CBE8249E62A}" dt="2025-12-20T14:07:47.995" v="0" actId="1076"/>
+          <ac:spMkLst>
+            <pc:docMk/>
+            <pc:sldMk cId="1640288181" sldId="278"/>
+            <ac:spMk id="4" creationId="{8FD23934-4A07-2183-483D-999C4EEC4F76}"/>
+          </ac:spMkLst>
+        </pc:spChg>
+      </pc:sldChg>
+      <pc:sldChg chg="modSp mod">
+        <pc:chgData name="mahesh mangali" userId="19df09ad2f154328" providerId="LiveId" clId="{9991AB3A-D692-45DD-9C00-5CBE8249E62A}" dt="2025-12-20T14:13:17.486" v="24" actId="207"/>
+        <pc:sldMkLst>
+          <pc:docMk/>
+          <pc:sldMk cId="2517140333" sldId="283"/>
+        </pc:sldMkLst>
+        <pc:spChg chg="mod">
+          <ac:chgData name="mahesh mangali" userId="19df09ad2f154328" providerId="LiveId" clId="{9991AB3A-D692-45DD-9C00-5CBE8249E62A}" dt="2025-12-20T14:08:48.233" v="6" actId="1076"/>
+          <ac:spMkLst>
+            <pc:docMk/>
+            <pc:sldMk cId="2517140333" sldId="283"/>
+            <ac:spMk id="4" creationId="{695DA9C9-8185-D0AB-3C76-BC1CABABA354}"/>
+          </ac:spMkLst>
+        </pc:spChg>
+        <pc:spChg chg="mod">
+          <ac:chgData name="mahesh mangali" userId="19df09ad2f154328" providerId="LiveId" clId="{9991AB3A-D692-45DD-9C00-5CBE8249E62A}" dt="2025-12-20T14:10:46.132" v="18" actId="207"/>
+          <ac:spMkLst>
+            <pc:docMk/>
+            <pc:sldMk cId="2517140333" sldId="283"/>
+            <ac:spMk id="29" creationId="{0490F6D4-84D0-42DF-A807-E56706B577D6}"/>
+          </ac:spMkLst>
+        </pc:spChg>
+        <pc:spChg chg="mod">
+          <ac:chgData name="mahesh mangali" userId="19df09ad2f154328" providerId="LiveId" clId="{9991AB3A-D692-45DD-9C00-5CBE8249E62A}" dt="2025-12-20T14:10:55.310" v="19" actId="207"/>
+          <ac:spMkLst>
+            <pc:docMk/>
+            <pc:sldMk cId="2517140333" sldId="283"/>
+            <ac:spMk id="37" creationId="{3A30B02E-FBE1-41C5-AF6E-E1013275E84A}"/>
+          </ac:spMkLst>
+        </pc:spChg>
+        <pc:spChg chg="mod">
+          <ac:chgData name="mahesh mangali" userId="19df09ad2f154328" providerId="LiveId" clId="{9991AB3A-D692-45DD-9C00-5CBE8249E62A}" dt="2025-12-20T14:11:23.528" v="21" actId="207"/>
+          <ac:spMkLst>
+            <pc:docMk/>
+            <pc:sldMk cId="2517140333" sldId="283"/>
+            <ac:spMk id="39" creationId="{1B558BFC-AA9F-4991-A6BB-D56BEC07C16E}"/>
+          </ac:spMkLst>
+        </pc:spChg>
+        <pc:spChg chg="mod">
+          <ac:chgData name="mahesh mangali" userId="19df09ad2f154328" providerId="LiveId" clId="{9991AB3A-D692-45DD-9C00-5CBE8249E62A}" dt="2025-12-20T14:12:39.007" v="23" actId="207"/>
+          <ac:spMkLst>
+            <pc:docMk/>
+            <pc:sldMk cId="2517140333" sldId="283"/>
+            <ac:spMk id="41" creationId="{DBA8686B-D3EF-40DF-939C-F875885DD598}"/>
+          </ac:spMkLst>
+        </pc:spChg>
+        <pc:spChg chg="mod">
+          <ac:chgData name="mahesh mangali" userId="19df09ad2f154328" providerId="LiveId" clId="{9991AB3A-D692-45DD-9C00-5CBE8249E62A}" dt="2025-12-20T14:13:17.486" v="24" actId="207"/>
+          <ac:spMkLst>
+            <pc:docMk/>
+            <pc:sldMk cId="2517140333" sldId="283"/>
+            <ac:spMk id="43" creationId="{759A333C-6D37-427A-BE2A-4C2660134A5A}"/>
+          </ac:spMkLst>
+        </pc:spChg>
+      </pc:sldChg>
+      <pc:sldChg chg="modSp mod">
+        <pc:chgData name="mahesh mangali" userId="19df09ad2f154328" providerId="LiveId" clId="{9991AB3A-D692-45DD-9C00-5CBE8249E62A}" dt="2025-12-20T14:08:41.945" v="5" actId="1076"/>
+        <pc:sldMkLst>
+          <pc:docMk/>
+          <pc:sldMk cId="2624021206" sldId="284"/>
+        </pc:sldMkLst>
+        <pc:spChg chg="mod">
+          <ac:chgData name="mahesh mangali" userId="19df09ad2f154328" providerId="LiveId" clId="{9991AB3A-D692-45DD-9C00-5CBE8249E62A}" dt="2025-12-20T14:08:41.945" v="5" actId="1076"/>
+          <ac:spMkLst>
+            <pc:docMk/>
+            <pc:sldMk cId="2624021206" sldId="284"/>
+            <ac:spMk id="4" creationId="{DEFD68CE-EF5C-4046-41F5-3763D028DAE5}"/>
+          </ac:spMkLst>
+        </pc:spChg>
+      </pc:sldChg>
+      <pc:sldChg chg="modSp mod">
+        <pc:chgData name="mahesh mangali" userId="19df09ad2f154328" providerId="LiveId" clId="{9991AB3A-D692-45DD-9C00-5CBE8249E62A}" dt="2025-12-20T14:09:58.064" v="15" actId="1076"/>
+        <pc:sldMkLst>
+          <pc:docMk/>
+          <pc:sldMk cId="4157533387" sldId="288"/>
+        </pc:sldMkLst>
+        <pc:spChg chg="mod">
+          <ac:chgData name="mahesh mangali" userId="19df09ad2f154328" providerId="LiveId" clId="{9991AB3A-D692-45DD-9C00-5CBE8249E62A}" dt="2025-12-20T14:09:58.064" v="15" actId="1076"/>
+          <ac:spMkLst>
+            <pc:docMk/>
+            <pc:sldMk cId="4157533387" sldId="288"/>
+            <ac:spMk id="4" creationId="{8E531165-F745-171F-F6EC-07FDD4E3E06C}"/>
+          </ac:spMkLst>
+        </pc:spChg>
+      </pc:sldChg>
+      <pc:sldChg chg="modSp mod">
+        <pc:chgData name="mahesh mangali" userId="19df09ad2f154328" providerId="LiveId" clId="{9991AB3A-D692-45DD-9C00-5CBE8249E62A}" dt="2025-12-20T14:10:25.650" v="17" actId="207"/>
+        <pc:sldMkLst>
+          <pc:docMk/>
+          <pc:sldMk cId="529279411" sldId="289"/>
+        </pc:sldMkLst>
+        <pc:spChg chg="mod">
+          <ac:chgData name="mahesh mangali" userId="19df09ad2f154328" providerId="LiveId" clId="{9991AB3A-D692-45DD-9C00-5CBE8249E62A}" dt="2025-12-20T14:10:04.667" v="16" actId="1076"/>
+          <ac:spMkLst>
+            <pc:docMk/>
+            <pc:sldMk cId="529279411" sldId="289"/>
+            <ac:spMk id="5" creationId="{A954E8FF-50C6-A7E2-E9AD-ED72BFCAF447}"/>
+          </ac:spMkLst>
+        </pc:spChg>
+        <pc:picChg chg="mod">
+          <ac:chgData name="mahesh mangali" userId="19df09ad2f154328" providerId="LiveId" clId="{9991AB3A-D692-45DD-9C00-5CBE8249E62A}" dt="2025-12-20T14:10:25.650" v="17" actId="207"/>
+          <ac:picMkLst>
+            <pc:docMk/>
+            <pc:sldMk cId="529279411" sldId="289"/>
+            <ac:picMk id="3" creationId="{F2E912C5-A006-E8A3-B6B1-7CC3033034D9}"/>
+          </ac:picMkLst>
+        </pc:picChg>
+      </pc:sldChg>
+      <pc:sldChg chg="modSp mod">
+        <pc:chgData name="mahesh mangali" userId="19df09ad2f154328" providerId="LiveId" clId="{9991AB3A-D692-45DD-9C00-5CBE8249E62A}" dt="2025-12-20T14:08:23.411" v="3" actId="1076"/>
+        <pc:sldMkLst>
+          <pc:docMk/>
+          <pc:sldMk cId="32955924" sldId="294"/>
+        </pc:sldMkLst>
+        <pc:spChg chg="mod">
+          <ac:chgData name="mahesh mangali" userId="19df09ad2f154328" providerId="LiveId" clId="{9991AB3A-D692-45DD-9C00-5CBE8249E62A}" dt="2025-12-20T14:08:23.411" v="3" actId="1076"/>
+          <ac:spMkLst>
+            <pc:docMk/>
+            <pc:sldMk cId="32955924" sldId="294"/>
+            <ac:spMk id="4" creationId="{8A610345-FF40-D90A-5C88-A462A10E487B}"/>
+          </ac:spMkLst>
+        </pc:spChg>
+      </pc:sldChg>
+      <pc:sldChg chg="modSp mod">
+        <pc:chgData name="mahesh mangali" userId="19df09ad2f154328" providerId="LiveId" clId="{9991AB3A-D692-45DD-9C00-5CBE8249E62A}" dt="2025-12-20T14:09:00.117" v="7" actId="1076"/>
+        <pc:sldMkLst>
+          <pc:docMk/>
+          <pc:sldMk cId="1460241178" sldId="296"/>
+        </pc:sldMkLst>
+        <pc:spChg chg="mod">
+          <ac:chgData name="mahesh mangali" userId="19df09ad2f154328" providerId="LiveId" clId="{9991AB3A-D692-45DD-9C00-5CBE8249E62A}" dt="2025-12-20T14:09:00.117" v="7" actId="1076"/>
+          <ac:spMkLst>
+            <pc:docMk/>
+            <pc:sldMk cId="1460241178" sldId="296"/>
+            <ac:spMk id="4" creationId="{9CCB040A-9A98-D5F9-5806-211C7A5CD475}"/>
+          </ac:spMkLst>
+        </pc:spChg>
+      </pc:sldChg>
+      <pc:sldChg chg="modSp mod">
+        <pc:chgData name="mahesh mangali" userId="19df09ad2f154328" providerId="LiveId" clId="{9991AB3A-D692-45DD-9C00-5CBE8249E62A}" dt="2025-12-20T14:08:34.175" v="4" actId="1076"/>
+        <pc:sldMkLst>
+          <pc:docMk/>
+          <pc:sldMk cId="2737592352" sldId="297"/>
+        </pc:sldMkLst>
+        <pc:spChg chg="mod">
+          <ac:chgData name="mahesh mangali" userId="19df09ad2f154328" providerId="LiveId" clId="{9991AB3A-D692-45DD-9C00-5CBE8249E62A}" dt="2025-12-20T14:08:34.175" v="4" actId="1076"/>
+          <ac:spMkLst>
+            <pc:docMk/>
+            <pc:sldMk cId="2737592352" sldId="297"/>
+            <ac:spMk id="19" creationId="{C20671A6-EA5D-DEAE-75D9-DC29D1BFEB0D}"/>
+          </ac:spMkLst>
+        </pc:spChg>
+      </pc:sldChg>
+      <pc:sldChg chg="modSp mod">
+        <pc:chgData name="mahesh mangali" userId="19df09ad2f154328" providerId="LiveId" clId="{9991AB3A-D692-45DD-9C00-5CBE8249E62A}" dt="2025-12-20T14:09:27.920" v="13" actId="1035"/>
+        <pc:sldMkLst>
+          <pc:docMk/>
+          <pc:sldMk cId="3700129823" sldId="298"/>
+        </pc:sldMkLst>
+        <pc:spChg chg="mod">
+          <ac:chgData name="mahesh mangali" userId="19df09ad2f154328" providerId="LiveId" clId="{9991AB3A-D692-45DD-9C00-5CBE8249E62A}" dt="2025-12-20T14:09:21.808" v="8" actId="1076"/>
+          <ac:spMkLst>
+            <pc:docMk/>
+            <pc:sldMk cId="3700129823" sldId="298"/>
+            <ac:spMk id="4" creationId="{8E0BF10A-130C-EB36-4F8E-63841EC38C76}"/>
+          </ac:spMkLst>
+        </pc:spChg>
+        <pc:picChg chg="mod">
+          <ac:chgData name="mahesh mangali" userId="19df09ad2f154328" providerId="LiveId" clId="{9991AB3A-D692-45DD-9C00-5CBE8249E62A}" dt="2025-12-20T14:09:27.920" v="13" actId="1035"/>
+          <ac:picMkLst>
+            <pc:docMk/>
+            <pc:sldMk cId="3700129823" sldId="298"/>
+            <ac:picMk id="5122" creationId="{E0BDD7E1-ECE7-42BD-E1D5-CAD95F938958}"/>
+          </ac:picMkLst>
+        </pc:picChg>
+      </pc:sldChg>
+    </pc:docChg>
+  </pc:docChgLst>
+</pc:chgInfo>
 </file>
 
 <file path=ppt/charts/chart1.xml><?xml version="1.0" encoding="utf-8"?>
@@ -1283,7 +1526,7 @@
           <a:p>
             <a:fld id="{8CD26A2A-0A96-0647-84E5-C82F2EFD9474}" type="datetimeFigureOut">
               <a:rPr lang="en-US" smtClean="0"/>
-              <a:t>12/19/2025</a:t>
+              <a:t>12/20/2025</a:t>
             </a:fld>
             <a:endParaRPr lang="en-US" dirty="0"/>
           </a:p>
@@ -1548,7 +1791,7 @@
           <a:p>
             <a:fld id="{D458D246-FB21-4ACB-9068-6447CC7872F8}" type="datetimeFigureOut">
               <a:rPr lang="en-US" smtClean="0"/>
-              <a:t>12/19/2025</a:t>
+              <a:t>12/20/2025</a:t>
             </a:fld>
             <a:endParaRPr lang="en-US"/>
           </a:p>
@@ -25468,7 +25711,12 @@
             <p:ph type="ftr" sz="quarter" idx="30"/>
           </p:nvPr>
         </p:nvSpPr>
-        <p:spPr/>
+        <p:spPr>
+          <a:xfrm>
+            <a:off x="0" y="6485093"/>
+            <a:ext cx="4114800" cy="365125"/>
+          </a:xfrm>
+        </p:spPr>
         <p:txBody>
           <a:bodyPr/>
           <a:lstStyle/>
@@ -26411,7 +26659,12 @@
             <p:ph type="ftr" sz="quarter" idx="52"/>
           </p:nvPr>
         </p:nvSpPr>
-        <p:spPr/>
+        <p:spPr>
+          <a:xfrm>
+            <a:off x="0" y="6492875"/>
+            <a:ext cx="4114800" cy="365125"/>
+          </a:xfrm>
+        </p:spPr>
         <p:txBody>
           <a:bodyPr/>
           <a:lstStyle/>
@@ -26485,7 +26738,7 @@
         </p:blipFill>
         <p:spPr bwMode="auto">
           <a:xfrm>
-            <a:off x="190885" y="1076960"/>
+            <a:off x="190885" y="1106144"/>
             <a:ext cx="11554075" cy="4846320"/>
           </a:xfrm>
           <a:prstGeom prst="rect">
@@ -26837,22 +27090,23 @@
             <p:ph type="ftr" sz="quarter" idx="49"/>
           </p:nvPr>
         </p:nvSpPr>
-        <p:spPr/>
+        <p:spPr>
+          <a:xfrm>
+            <a:off x="0" y="6492875"/>
+            <a:ext cx="4114800" cy="365125"/>
+          </a:xfrm>
+        </p:spPr>
         <p:txBody>
           <a:bodyPr/>
           <a:lstStyle/>
           <a:p>
             <a:r>
-              <a:rPr lang="en-US">
+              <a:rPr lang="en-US" dirty="0">
                 <a:latin typeface="Times New Roman" panose="02020603050405020304" pitchFamily="18" charset="0"/>
                 <a:cs typeface="Times New Roman" panose="02020603050405020304" pitchFamily="18" charset="0"/>
               </a:rPr>
-              <a:t>Presentation title</a:t>
+              <a:t>Stock Price Forecasting Using Time Series</a:t>
             </a:r>
-            <a:endParaRPr lang="en-US" dirty="0">
-              <a:latin typeface="Times New Roman" panose="02020603050405020304" pitchFamily="18" charset="0"/>
-              <a:cs typeface="Times New Roman" panose="02020603050405020304" pitchFamily="18" charset="0"/>
-            </a:endParaRPr>
           </a:p>
         </p:txBody>
       </p:sp>
@@ -27512,7 +27766,7 @@
         </p:nvSpPr>
         <p:spPr>
           <a:xfrm>
-            <a:off x="-10160" y="6461642"/>
+            <a:off x="0" y="6528074"/>
             <a:ext cx="6106160" cy="276999"/>
           </a:xfrm>
           <a:prstGeom prst="rect">
@@ -27668,7 +27922,12 @@
             <p:ph type="ftr" sz="quarter" idx="52"/>
           </p:nvPr>
         </p:nvSpPr>
-        <p:spPr/>
+        <p:spPr>
+          <a:xfrm>
+            <a:off x="0" y="6492875"/>
+            <a:ext cx="4114800" cy="365125"/>
+          </a:xfrm>
+        </p:spPr>
         <p:txBody>
           <a:bodyPr/>
           <a:lstStyle/>
@@ -28150,7 +28409,12 @@
             <p:ph type="ftr" sz="quarter" idx="33"/>
           </p:nvPr>
         </p:nvSpPr>
-        <p:spPr/>
+        <p:spPr>
+          <a:xfrm>
+            <a:off x="0" y="6492875"/>
+            <a:ext cx="4114800" cy="365125"/>
+          </a:xfrm>
+        </p:spPr>
         <p:txBody>
           <a:bodyPr/>
           <a:lstStyle/>
@@ -28398,7 +28662,12 @@
             <p:ph type="ftr" sz="quarter" idx="30"/>
           </p:nvPr>
         </p:nvSpPr>
-        <p:spPr/>
+        <p:spPr>
+          <a:xfrm>
+            <a:off x="0" y="6492875"/>
+            <a:ext cx="4114800" cy="365125"/>
+          </a:xfrm>
+        </p:spPr>
         <p:txBody>
           <a:bodyPr/>
           <a:lstStyle/>
@@ -30102,7 +30371,7 @@
         </p:nvSpPr>
         <p:spPr>
           <a:xfrm>
-            <a:off x="0" y="6488668"/>
+            <a:off x="0" y="6550788"/>
             <a:ext cx="6096000" cy="276999"/>
           </a:xfrm>
           <a:prstGeom prst="rect">
@@ -30329,7 +30598,12 @@
             <p:ph type="ftr" sz="quarter" idx="54"/>
           </p:nvPr>
         </p:nvSpPr>
-        <p:spPr/>
+        <p:spPr>
+          <a:xfrm>
+            <a:off x="0" y="6492875"/>
+            <a:ext cx="4114800" cy="365125"/>
+          </a:xfrm>
+        </p:spPr>
         <p:txBody>
           <a:bodyPr/>
           <a:lstStyle/>
@@ -30930,7 +31204,7 @@
             <a:r>
               <a:rPr lang="en-US" altLang="zh-CN" dirty="0">
                 <a:solidFill>
-                  <a:schemeClr val="tx2"/>
+                  <a:srgbClr val="446992"/>
                 </a:solidFill>
                 <a:latin typeface="Times New Roman" panose="02020603050405020304" pitchFamily="18" charset="0"/>
                 <a:cs typeface="Times New Roman" panose="02020603050405020304" pitchFamily="18" charset="0"/>
@@ -31045,7 +31319,10 @@
             <a:r>
               <a:rPr lang="en-US" altLang="zh-CN" dirty="0">
                 <a:solidFill>
-                  <a:schemeClr val="tx2"/>
+                  <a:schemeClr val="accent2">
+                    <a:lumMod val="60000"/>
+                    <a:lumOff val="40000"/>
+                  </a:schemeClr>
                 </a:solidFill>
                 <a:latin typeface="Times New Roman" panose="02020603050405020304" pitchFamily="18" charset="0"/>
                 <a:cs typeface="Times New Roman" panose="02020603050405020304" pitchFamily="18" charset="0"/>
@@ -31160,7 +31437,7 @@
             <a:r>
               <a:rPr lang="en-US" altLang="zh-CN" dirty="0">
                 <a:solidFill>
-                  <a:schemeClr val="tx2"/>
+                  <a:srgbClr val="7030A0"/>
                 </a:solidFill>
                 <a:latin typeface="Times New Roman" panose="02020603050405020304" pitchFamily="18" charset="0"/>
                 <a:cs typeface="Times New Roman" panose="02020603050405020304" pitchFamily="18" charset="0"/>
@@ -31169,7 +31446,7 @@
             </a:r>
             <a:endParaRPr lang="zh-CN" altLang="en-US" dirty="0">
               <a:solidFill>
-                <a:schemeClr val="tx2"/>
+                <a:srgbClr val="7030A0"/>
               </a:solidFill>
               <a:latin typeface="Times New Roman" panose="02020603050405020304" pitchFamily="18" charset="0"/>
               <a:cs typeface="Times New Roman" panose="02020603050405020304" pitchFamily="18" charset="0"/>
@@ -31271,7 +31548,7 @@
             <a:r>
               <a:rPr lang="en-US" altLang="zh-CN" dirty="0">
                 <a:solidFill>
-                  <a:schemeClr val="tx2"/>
+                  <a:srgbClr val="D30ED8"/>
                 </a:solidFill>
                 <a:latin typeface="Times New Roman" panose="02020603050405020304" pitchFamily="18" charset="0"/>
                 <a:cs typeface="Times New Roman" panose="02020603050405020304" pitchFamily="18" charset="0"/>
@@ -31378,7 +31655,7 @@
             <a:r>
               <a:rPr lang="en-US" altLang="zh-CN" dirty="0">
                 <a:solidFill>
-                  <a:schemeClr val="tx2"/>
+                  <a:srgbClr val="F0EB2D"/>
                 </a:solidFill>
                 <a:latin typeface="Times New Roman" panose="02020603050405020304" pitchFamily="18" charset="0"/>
                 <a:cs typeface="Times New Roman" panose="02020603050405020304" pitchFamily="18" charset="0"/>
@@ -31387,7 +31664,7 @@
             </a:r>
             <a:endParaRPr lang="zh-CN" altLang="en-US" dirty="0">
               <a:solidFill>
-                <a:schemeClr val="tx2"/>
+                <a:srgbClr val="F0EB2D"/>
               </a:solidFill>
               <a:latin typeface="Times New Roman" panose="02020603050405020304" pitchFamily="18" charset="0"/>
               <a:cs typeface="Times New Roman" panose="02020603050405020304" pitchFamily="18" charset="0"/>
@@ -31457,7 +31734,12 @@
             <p:ph type="ftr" sz="quarter" idx="62"/>
           </p:nvPr>
         </p:nvSpPr>
-        <p:spPr/>
+        <p:spPr>
+          <a:xfrm>
+            <a:off x="24896" y="6504548"/>
+            <a:ext cx="4114800" cy="365125"/>
+          </a:xfrm>
+        </p:spPr>
         <p:txBody>
           <a:bodyPr/>
           <a:lstStyle/>
@@ -31772,7 +32054,12 @@
             <p:ph type="ftr" sz="quarter" idx="28"/>
           </p:nvPr>
         </p:nvSpPr>
-        <p:spPr/>
+        <p:spPr>
+          <a:xfrm>
+            <a:off x="0" y="6441338"/>
+            <a:ext cx="4114800" cy="365125"/>
+          </a:xfrm>
+        </p:spPr>
         <p:txBody>
           <a:bodyPr/>
           <a:lstStyle/>
@@ -32701,15 +32988,6 @@
 </file>
 
 <file path=customXml/item1.xml><?xml version="1.0" encoding="utf-8"?>
-<?mso-contentType ?>
-<FormTemplates xmlns="http://schemas.microsoft.com/sharepoint/v3/contenttype/forms">
-  <Display>DocumentLibraryForm</Display>
-  <Edit>DocumentLibraryForm</Edit>
-  <New>DocumentLibraryForm</New>
-</FormTemplates>
-</file>
-
-<file path=customXml/item2.xml><?xml version="1.0" encoding="utf-8"?>
 <ct:contentTypeSchema xmlns:ct="http://schemas.microsoft.com/office/2006/metadata/contentType" xmlns:ma="http://schemas.microsoft.com/office/2006/metadata/properties/metaAttributes" ct:_="" ma:_="" ma:contentTypeName="Document" ma:contentTypeID="0x01010079F111ED35F8CC479449609E8A0923A6" ma:contentTypeVersion="28" ma:contentTypeDescription="Create a new document." ma:contentTypeScope="" ma:versionID="60f5a4f2d2b0abadcf532d48ebf9cb71">
   <xsd:schema xmlns:xsd="http://www.w3.org/2001/XMLSchema" xmlns:xs="http://www.w3.org/2001/XMLSchema" xmlns:p="http://schemas.microsoft.com/office/2006/metadata/properties" xmlns:ns1="http://schemas.microsoft.com/sharepoint/v3" xmlns:ns2="71af3243-3dd4-4a8d-8c0d-dd76da1f02a5" xmlns:ns3="16c05727-aa75-4e4a-9b5f-8a80a1165891" xmlns:ns4="230e9df3-be65-4c73-a93b-d1236ebd677e" targetNamespace="http://schemas.microsoft.com/office/2006/metadata/properties" ma:root="true" ma:fieldsID="7dd78129e6a1811f84807ad11c651531" ns1:_="" ns2:_="" ns3:_="" ns4:_="">
     <xsd:import namespace="http://schemas.microsoft.com/sharepoint/v3"/>
@@ -33021,6 +33299,15 @@
 </ct:contentTypeSchema>
 </file>
 
+<file path=customXml/item2.xml><?xml version="1.0" encoding="utf-8"?>
+<?mso-contentType ?>
+<FormTemplates xmlns="http://schemas.microsoft.com/sharepoint/v3/contenttype/forms">
+  <Display>DocumentLibraryForm</Display>
+  <Edit>DocumentLibraryForm</Edit>
+  <New>DocumentLibraryForm</New>
+</FormTemplates>
+</file>
+
 <file path=customXml/item3.xml><?xml version="1.0" encoding="utf-8"?>
 <p:properties xmlns:p="http://schemas.microsoft.com/office/2006/metadata/properties" xmlns:xsi="http://www.w3.org/2001/XMLSchema-instance" xmlns:pc="http://schemas.microsoft.com/office/infopath/2007/PartnerControls">
   <documentManagement>
@@ -33042,14 +33329,6 @@
 </file>
 
 <file path=customXml/itemProps1.xml><?xml version="1.0" encoding="utf-8"?>
-<ds:datastoreItem xmlns:ds="http://schemas.openxmlformats.org/officeDocument/2006/customXml" ds:itemID="{45515263-A3DE-4193-B6AA-5C449C94519F}">
-  <ds:schemaRefs>
-    <ds:schemaRef ds:uri="http://schemas.microsoft.com/sharepoint/v3/contenttype/forms"/>
-  </ds:schemaRefs>
-</ds:datastoreItem>
-</file>
-
-<file path=customXml/itemProps2.xml><?xml version="1.0" encoding="utf-8"?>
 <ds:datastoreItem xmlns:ds="http://schemas.openxmlformats.org/officeDocument/2006/customXml" ds:itemID="{74CFA8B0-C7B8-4655-A378-2962C04794D3}">
   <ds:schemaRefs>
     <ds:schemaRef ds:uri="http://schemas.microsoft.com/office/2006/metadata/contentType"/>
@@ -33070,6 +33349,14 @@
 </ds:datastoreItem>
 </file>
 
+<file path=customXml/itemProps2.xml><?xml version="1.0" encoding="utf-8"?>
+<ds:datastoreItem xmlns:ds="http://schemas.openxmlformats.org/officeDocument/2006/customXml" ds:itemID="{45515263-A3DE-4193-B6AA-5C449C94519F}">
+  <ds:schemaRefs>
+    <ds:schemaRef ds:uri="http://schemas.microsoft.com/sharepoint/v3/contenttype/forms"/>
+  </ds:schemaRefs>
+</ds:datastoreItem>
+</file>
+
 <file path=customXml/itemProps3.xml><?xml version="1.0" encoding="utf-8"?>
 <ds:datastoreItem xmlns:ds="http://schemas.openxmlformats.org/officeDocument/2006/customXml" ds:itemID="{A0AD9BE2-6B3D-4616-B044-300A8177DEA5}">
   <ds:schemaRefs>
